--- a/jarden_center/research-master/research-master/SourceDetection/data/汇报1-3.pptx
+++ b/jarden_center/research-master/research-master/SourceDetection/data/汇报1-3.pptx
@@ -25,6 +25,8 @@
     <p:sldId id="276" r:id="rId20"/>
     <p:sldId id="269" r:id="rId21"/>
     <p:sldId id="272" r:id="rId22"/>
+    <p:sldId id="304" r:id="rId23"/>
+    <p:sldId id="305" r:id="rId24"/>
   </p:sldIdLst>
   <p:sldSz cx="12192000" cy="6858000"/>
   <p:notesSz cx="6858000" cy="9144000"/>
@@ -11569,6 +11571,1217 @@
               <a:rPr lang="zh-CN" altLang="en-US"/>
               <a:t>上超越。</a:t>
             </a:r>
+            <a:endParaRPr lang="zh-CN" altLang="en-US"/>
+          </a:p>
+        </p:txBody>
+      </p:sp>
+    </p:spTree>
+  </p:cSld>
+  <p:clrMapOvr>
+    <a:masterClrMapping/>
+  </p:clrMapOvr>
+</p:sld>
+</file>
+
+<file path=ppt/slides/slide21.xml><?xml version="1.0" encoding="utf-8"?>
+<p:sld xmlns:a="http://schemas.openxmlformats.org/drawingml/2006/main" xmlns:r="http://schemas.openxmlformats.org/officeDocument/2006/relationships" xmlns:p="http://schemas.openxmlformats.org/presentationml/2006/main">
+  <p:cSld>
+    <p:spTree>
+      <p:nvGrpSpPr>
+        <p:cNvPr id="1" name=""/>
+        <p:cNvGrpSpPr/>
+        <p:nvPr/>
+      </p:nvGrpSpPr>
+      <p:grpSpPr/>
+      <p:sp>
+        <p:nvSpPr>
+          <p:cNvPr id="2" name="标题 1"/>
+          <p:cNvSpPr>
+            <a:spLocks noGrp="1"/>
+          </p:cNvSpPr>
+          <p:nvPr>
+            <p:ph type="title"/>
+          </p:nvPr>
+        </p:nvSpPr>
+        <p:spPr/>
+        <p:txBody>
+          <a:bodyPr/>
+          <a:p>
+            <a:r>
+              <a:rPr lang="zh-CN" altLang="en-US"/>
+              <a:t>比较</a:t>
+            </a:r>
+            <a:r>
+              <a:rPr lang="en-US" altLang="zh-CN"/>
+              <a:t>epa</a:t>
+            </a:r>
+            <a:r>
+              <a:rPr lang="zh-CN" altLang="en-US"/>
+              <a:t>以及</a:t>
+            </a:r>
+            <a:r>
+              <a:rPr lang="en-US" altLang="zh-CN"/>
+              <a:t>coverage</a:t>
+            </a:r>
+            <a:endParaRPr lang="en-US" altLang="zh-CN"/>
+          </a:p>
+        </p:txBody>
+      </p:sp>
+      <p:sp>
+        <p:nvSpPr>
+          <p:cNvPr id="3" name="内容占位符 2"/>
+          <p:cNvSpPr>
+            <a:spLocks noGrp="1"/>
+          </p:cNvSpPr>
+          <p:nvPr>
+            <p:ph idx="1"/>
+          </p:nvPr>
+        </p:nvSpPr>
+        <p:spPr/>
+        <p:txBody>
+          <a:bodyPr/>
+          <a:p>
+            <a:endParaRPr lang="zh-CN" altLang="en-US"/>
+          </a:p>
+        </p:txBody>
+      </p:sp>
+      <p:sp>
+        <p:nvSpPr>
+          <p:cNvPr id="4" name="椭圆 3"/>
+          <p:cNvSpPr/>
+          <p:nvPr/>
+        </p:nvSpPr>
+        <p:spPr>
+          <a:xfrm>
+            <a:off x="2687955" y="3591560"/>
+            <a:ext cx="309245" cy="292735"/>
+          </a:xfrm>
+          <a:prstGeom prst="ellipse">
+            <a:avLst/>
+          </a:prstGeom>
+          <a:solidFill>
+            <a:srgbClr val="FF0000"/>
+          </a:solidFill>
+        </p:spPr>
+        <p:style>
+          <a:lnRef idx="2">
+            <a:schemeClr val="accent1">
+              <a:shade val="50000"/>
+            </a:schemeClr>
+          </a:lnRef>
+          <a:fillRef idx="1">
+            <a:schemeClr val="accent1"/>
+          </a:fillRef>
+          <a:effectRef idx="0">
+            <a:schemeClr val="accent1"/>
+          </a:effectRef>
+          <a:fontRef idx="minor">
+            <a:schemeClr val="lt1"/>
+          </a:fontRef>
+        </p:style>
+        <p:txBody>
+          <a:bodyPr rtlCol="0" anchor="ctr"/>
+          <a:p>
+            <a:pPr algn="ctr"/>
+            <a:r>
+              <a:rPr lang="en-US" altLang="zh-CN" b="1">
+                <a:solidFill>
+                  <a:schemeClr val="tx1"/>
+                </a:solidFill>
+              </a:rPr>
+              <a:t>0</a:t>
+            </a:r>
+            <a:endParaRPr lang="en-US" altLang="zh-CN" b="1">
+              <a:solidFill>
+                <a:schemeClr val="tx1"/>
+              </a:solidFill>
+            </a:endParaRPr>
+          </a:p>
+        </p:txBody>
+      </p:sp>
+      <p:sp>
+        <p:nvSpPr>
+          <p:cNvPr id="5" name="椭圆 4"/>
+          <p:cNvSpPr/>
+          <p:nvPr/>
+        </p:nvSpPr>
+        <p:spPr>
+          <a:xfrm>
+            <a:off x="3140710" y="3591560"/>
+            <a:ext cx="309245" cy="292735"/>
+          </a:xfrm>
+          <a:prstGeom prst="ellipse">
+            <a:avLst/>
+          </a:prstGeom>
+          <a:solidFill>
+            <a:srgbClr val="FF0000"/>
+          </a:solidFill>
+        </p:spPr>
+        <p:style>
+          <a:lnRef idx="2">
+            <a:schemeClr val="accent1">
+              <a:shade val="50000"/>
+            </a:schemeClr>
+          </a:lnRef>
+          <a:fillRef idx="1">
+            <a:schemeClr val="accent1"/>
+          </a:fillRef>
+          <a:effectRef idx="0">
+            <a:schemeClr val="accent1"/>
+          </a:effectRef>
+          <a:fontRef idx="minor">
+            <a:schemeClr val="lt1"/>
+          </a:fontRef>
+        </p:style>
+        <p:txBody>
+          <a:bodyPr rtlCol="0" anchor="ctr"/>
+          <a:p>
+            <a:pPr algn="ctr"/>
+            <a:r>
+              <a:rPr lang="en-US" altLang="zh-CN">
+                <a:solidFill>
+                  <a:schemeClr val="tx1"/>
+                </a:solidFill>
+              </a:rPr>
+              <a:t>1</a:t>
+            </a:r>
+            <a:endParaRPr lang="en-US" altLang="zh-CN">
+              <a:solidFill>
+                <a:schemeClr val="tx1"/>
+              </a:solidFill>
+            </a:endParaRPr>
+          </a:p>
+        </p:txBody>
+      </p:sp>
+      <p:sp>
+        <p:nvSpPr>
+          <p:cNvPr id="6" name="椭圆 5"/>
+          <p:cNvSpPr/>
+          <p:nvPr/>
+        </p:nvSpPr>
+        <p:spPr>
+          <a:xfrm>
+            <a:off x="3632200" y="3591560"/>
+            <a:ext cx="309245" cy="292735"/>
+          </a:xfrm>
+          <a:prstGeom prst="ellipse">
+            <a:avLst/>
+          </a:prstGeom>
+          <a:solidFill>
+            <a:srgbClr val="FF0000"/>
+          </a:solidFill>
+        </p:spPr>
+        <p:style>
+          <a:lnRef idx="2">
+            <a:schemeClr val="accent1">
+              <a:shade val="50000"/>
+            </a:schemeClr>
+          </a:lnRef>
+          <a:fillRef idx="1">
+            <a:schemeClr val="accent1"/>
+          </a:fillRef>
+          <a:effectRef idx="0">
+            <a:schemeClr val="accent1"/>
+          </a:effectRef>
+          <a:fontRef idx="minor">
+            <a:schemeClr val="lt1"/>
+          </a:fontRef>
+        </p:style>
+        <p:txBody>
+          <a:bodyPr rtlCol="0" anchor="ctr"/>
+          <a:p>
+            <a:pPr algn="ctr"/>
+            <a:r>
+              <a:rPr lang="en-US" altLang="zh-CN">
+                <a:solidFill>
+                  <a:schemeClr val="tx1"/>
+                </a:solidFill>
+              </a:rPr>
+              <a:t>6</a:t>
+            </a:r>
+            <a:endParaRPr lang="en-US" altLang="zh-CN">
+              <a:solidFill>
+                <a:schemeClr val="tx1"/>
+              </a:solidFill>
+            </a:endParaRPr>
+          </a:p>
+        </p:txBody>
+      </p:sp>
+      <p:sp>
+        <p:nvSpPr>
+          <p:cNvPr id="7" name="椭圆 6"/>
+          <p:cNvSpPr/>
+          <p:nvPr/>
+        </p:nvSpPr>
+        <p:spPr>
+          <a:xfrm>
+            <a:off x="4169410" y="3591560"/>
+            <a:ext cx="309245" cy="292735"/>
+          </a:xfrm>
+          <a:prstGeom prst="ellipse">
+            <a:avLst/>
+          </a:prstGeom>
+          <a:solidFill>
+            <a:srgbClr val="FF0000"/>
+          </a:solidFill>
+        </p:spPr>
+        <p:style>
+          <a:lnRef idx="2">
+            <a:schemeClr val="accent1">
+              <a:shade val="50000"/>
+            </a:schemeClr>
+          </a:lnRef>
+          <a:fillRef idx="1">
+            <a:schemeClr val="accent1"/>
+          </a:fillRef>
+          <a:effectRef idx="0">
+            <a:schemeClr val="accent1"/>
+          </a:effectRef>
+          <a:fontRef idx="minor">
+            <a:schemeClr val="lt1"/>
+          </a:fontRef>
+        </p:style>
+        <p:txBody>
+          <a:bodyPr rtlCol="0" anchor="ctr"/>
+          <a:p>
+            <a:pPr algn="ctr"/>
+            <a:r>
+              <a:rPr lang="en-US" altLang="zh-CN">
+                <a:solidFill>
+                  <a:schemeClr val="tx1"/>
+                </a:solidFill>
+              </a:rPr>
+              <a:t>7</a:t>
+            </a:r>
+            <a:endParaRPr lang="en-US" altLang="zh-CN">
+              <a:solidFill>
+                <a:schemeClr val="tx1"/>
+              </a:solidFill>
+            </a:endParaRPr>
+          </a:p>
+        </p:txBody>
+      </p:sp>
+      <p:sp>
+        <p:nvSpPr>
+          <p:cNvPr id="8" name="椭圆 7"/>
+          <p:cNvSpPr/>
+          <p:nvPr/>
+        </p:nvSpPr>
+        <p:spPr>
+          <a:xfrm>
+            <a:off x="4734560" y="3591560"/>
+            <a:ext cx="309245" cy="292735"/>
+          </a:xfrm>
+          <a:prstGeom prst="ellipse">
+            <a:avLst/>
+          </a:prstGeom>
+          <a:solidFill>
+            <a:srgbClr val="FF0000"/>
+          </a:solidFill>
+        </p:spPr>
+        <p:style>
+          <a:lnRef idx="2">
+            <a:schemeClr val="accent1">
+              <a:shade val="50000"/>
+            </a:schemeClr>
+          </a:lnRef>
+          <a:fillRef idx="1">
+            <a:schemeClr val="accent1"/>
+          </a:fillRef>
+          <a:effectRef idx="0">
+            <a:schemeClr val="accent1"/>
+          </a:effectRef>
+          <a:fontRef idx="minor">
+            <a:schemeClr val="lt1"/>
+          </a:fontRef>
+        </p:style>
+        <p:txBody>
+          <a:bodyPr rtlCol="0" anchor="ctr"/>
+          <a:p>
+            <a:pPr algn="ctr"/>
+            <a:r>
+              <a:rPr lang="en-US" altLang="zh-CN">
+                <a:solidFill>
+                  <a:schemeClr val="tx1"/>
+                </a:solidFill>
+              </a:rPr>
+              <a:t>8</a:t>
+            </a:r>
+            <a:endParaRPr lang="en-US" altLang="zh-CN">
+              <a:solidFill>
+                <a:schemeClr val="tx1"/>
+              </a:solidFill>
+            </a:endParaRPr>
+          </a:p>
+        </p:txBody>
+      </p:sp>
+      <p:sp>
+        <p:nvSpPr>
+          <p:cNvPr id="9" name="椭圆 8"/>
+          <p:cNvSpPr/>
+          <p:nvPr/>
+        </p:nvSpPr>
+        <p:spPr>
+          <a:xfrm>
+            <a:off x="4734560" y="4149090"/>
+            <a:ext cx="309245" cy="293370"/>
+          </a:xfrm>
+          <a:prstGeom prst="ellipse">
+            <a:avLst/>
+          </a:prstGeom>
+          <a:solidFill>
+            <a:srgbClr val="FF0000"/>
+          </a:solidFill>
+        </p:spPr>
+        <p:style>
+          <a:lnRef idx="2">
+            <a:schemeClr val="accent1">
+              <a:shade val="50000"/>
+            </a:schemeClr>
+          </a:lnRef>
+          <a:fillRef idx="1">
+            <a:schemeClr val="accent1"/>
+          </a:fillRef>
+          <a:effectRef idx="0">
+            <a:schemeClr val="accent1"/>
+          </a:effectRef>
+          <a:fontRef idx="minor">
+            <a:schemeClr val="lt1"/>
+          </a:fontRef>
+        </p:style>
+        <p:txBody>
+          <a:bodyPr rtlCol="0" anchor="ctr"/>
+          <a:p>
+            <a:pPr algn="ctr"/>
+            <a:endParaRPr lang="en-US" altLang="zh-CN" sz="800"/>
+          </a:p>
+        </p:txBody>
+      </p:sp>
+      <p:sp>
+        <p:nvSpPr>
+          <p:cNvPr id="10" name="椭圆 9"/>
+          <p:cNvSpPr/>
+          <p:nvPr/>
+        </p:nvSpPr>
+        <p:spPr>
+          <a:xfrm>
+            <a:off x="4734560" y="3084830"/>
+            <a:ext cx="309245" cy="292735"/>
+          </a:xfrm>
+          <a:prstGeom prst="ellipse">
+            <a:avLst/>
+          </a:prstGeom>
+          <a:solidFill>
+            <a:srgbClr val="FF0000"/>
+          </a:solidFill>
+        </p:spPr>
+        <p:style>
+          <a:lnRef idx="2">
+            <a:schemeClr val="accent1">
+              <a:shade val="50000"/>
+            </a:schemeClr>
+          </a:lnRef>
+          <a:fillRef idx="1">
+            <a:schemeClr val="accent1"/>
+          </a:fillRef>
+          <a:effectRef idx="0">
+            <a:schemeClr val="accent1"/>
+          </a:effectRef>
+          <a:fontRef idx="minor">
+            <a:schemeClr val="lt1"/>
+          </a:fontRef>
+        </p:style>
+        <p:txBody>
+          <a:bodyPr rtlCol="0" anchor="ctr"/>
+          <a:p>
+            <a:pPr algn="ctr"/>
+            <a:r>
+              <a:rPr lang="en-US" altLang="zh-CN">
+                <a:solidFill>
+                  <a:schemeClr val="tx1"/>
+                </a:solidFill>
+              </a:rPr>
+              <a:t>9</a:t>
+            </a:r>
+            <a:endParaRPr lang="en-US" altLang="zh-CN">
+              <a:solidFill>
+                <a:schemeClr val="tx1"/>
+              </a:solidFill>
+            </a:endParaRPr>
+          </a:p>
+        </p:txBody>
+      </p:sp>
+      <p:cxnSp>
+        <p:nvCxnSpPr>
+          <p:cNvPr id="11" name="直接连接符 10"/>
+          <p:cNvCxnSpPr>
+            <a:stCxn id="4" idx="6"/>
+            <a:endCxn id="5" idx="2"/>
+          </p:cNvCxnSpPr>
+          <p:nvPr/>
+        </p:nvCxnSpPr>
+        <p:spPr>
+          <a:xfrm>
+            <a:off x="2997200" y="3738245"/>
+            <a:ext cx="143510" cy="0"/>
+          </a:xfrm>
+          <a:prstGeom prst="line">
+            <a:avLst/>
+          </a:prstGeom>
+        </p:spPr>
+        <p:style>
+          <a:lnRef idx="1">
+            <a:schemeClr val="accent1"/>
+          </a:lnRef>
+          <a:fillRef idx="0">
+            <a:schemeClr val="accent1"/>
+          </a:fillRef>
+          <a:effectRef idx="0">
+            <a:schemeClr val="accent1"/>
+          </a:effectRef>
+          <a:fontRef idx="minor">
+            <a:schemeClr val="tx1"/>
+          </a:fontRef>
+        </p:style>
+      </p:cxnSp>
+      <p:cxnSp>
+        <p:nvCxnSpPr>
+          <p:cNvPr id="13" name="直接连接符 12"/>
+          <p:cNvCxnSpPr>
+            <a:stCxn id="5" idx="6"/>
+            <a:endCxn id="6" idx="2"/>
+          </p:cNvCxnSpPr>
+          <p:nvPr/>
+        </p:nvCxnSpPr>
+        <p:spPr>
+          <a:xfrm>
+            <a:off x="3449955" y="3738245"/>
+            <a:ext cx="182245" cy="0"/>
+          </a:xfrm>
+          <a:prstGeom prst="line">
+            <a:avLst/>
+          </a:prstGeom>
+        </p:spPr>
+        <p:style>
+          <a:lnRef idx="1">
+            <a:schemeClr val="accent1"/>
+          </a:lnRef>
+          <a:fillRef idx="0">
+            <a:schemeClr val="accent1"/>
+          </a:fillRef>
+          <a:effectRef idx="0">
+            <a:schemeClr val="accent1"/>
+          </a:effectRef>
+          <a:fontRef idx="minor">
+            <a:schemeClr val="tx1"/>
+          </a:fontRef>
+        </p:style>
+      </p:cxnSp>
+      <p:cxnSp>
+        <p:nvCxnSpPr>
+          <p:cNvPr id="14" name="直接连接符 13"/>
+          <p:cNvCxnSpPr>
+            <a:stCxn id="6" idx="6"/>
+            <a:endCxn id="7" idx="2"/>
+          </p:cNvCxnSpPr>
+          <p:nvPr/>
+        </p:nvCxnSpPr>
+        <p:spPr>
+          <a:xfrm>
+            <a:off x="3941445" y="3738245"/>
+            <a:ext cx="227965" cy="0"/>
+          </a:xfrm>
+          <a:prstGeom prst="line">
+            <a:avLst/>
+          </a:prstGeom>
+        </p:spPr>
+        <p:style>
+          <a:lnRef idx="1">
+            <a:schemeClr val="accent1"/>
+          </a:lnRef>
+          <a:fillRef idx="0">
+            <a:schemeClr val="accent1"/>
+          </a:fillRef>
+          <a:effectRef idx="0">
+            <a:schemeClr val="accent1"/>
+          </a:effectRef>
+          <a:fontRef idx="minor">
+            <a:schemeClr val="tx1"/>
+          </a:fontRef>
+        </p:style>
+      </p:cxnSp>
+      <p:cxnSp>
+        <p:nvCxnSpPr>
+          <p:cNvPr id="15" name="直接连接符 14"/>
+          <p:cNvCxnSpPr>
+            <a:stCxn id="7" idx="6"/>
+            <a:endCxn id="8" idx="2"/>
+          </p:cNvCxnSpPr>
+          <p:nvPr/>
+        </p:nvCxnSpPr>
+        <p:spPr>
+          <a:xfrm>
+            <a:off x="4478655" y="3738245"/>
+            <a:ext cx="255905" cy="0"/>
+          </a:xfrm>
+          <a:prstGeom prst="line">
+            <a:avLst/>
+          </a:prstGeom>
+        </p:spPr>
+        <p:style>
+          <a:lnRef idx="1">
+            <a:schemeClr val="accent1"/>
+          </a:lnRef>
+          <a:fillRef idx="0">
+            <a:schemeClr val="accent1"/>
+          </a:fillRef>
+          <a:effectRef idx="0">
+            <a:schemeClr val="accent1"/>
+          </a:effectRef>
+          <a:fontRef idx="minor">
+            <a:schemeClr val="tx1"/>
+          </a:fontRef>
+        </p:style>
+      </p:cxnSp>
+      <p:cxnSp>
+        <p:nvCxnSpPr>
+          <p:cNvPr id="16" name="直接连接符 15"/>
+          <p:cNvCxnSpPr>
+            <a:stCxn id="8" idx="4"/>
+          </p:cNvCxnSpPr>
+          <p:nvPr/>
+        </p:nvCxnSpPr>
+        <p:spPr>
+          <a:xfrm>
+            <a:off x="4889500" y="3884295"/>
+            <a:ext cx="7620" cy="262890"/>
+          </a:xfrm>
+          <a:prstGeom prst="line">
+            <a:avLst/>
+          </a:prstGeom>
+          <a:ln>
+            <a:solidFill>
+              <a:schemeClr val="tx1"/>
+            </a:solidFill>
+          </a:ln>
+        </p:spPr>
+        <p:style>
+          <a:lnRef idx="1">
+            <a:schemeClr val="accent1"/>
+          </a:lnRef>
+          <a:fillRef idx="0">
+            <a:schemeClr val="accent1"/>
+          </a:fillRef>
+          <a:effectRef idx="0">
+            <a:schemeClr val="accent1"/>
+          </a:effectRef>
+          <a:fontRef idx="minor">
+            <a:schemeClr val="tx1"/>
+          </a:fontRef>
+        </p:style>
+      </p:cxnSp>
+      <p:cxnSp>
+        <p:nvCxnSpPr>
+          <p:cNvPr id="17" name="直接连接符 16"/>
+          <p:cNvCxnSpPr>
+            <a:stCxn id="10" idx="4"/>
+            <a:endCxn id="8" idx="0"/>
+          </p:cNvCxnSpPr>
+          <p:nvPr/>
+        </p:nvCxnSpPr>
+        <p:spPr>
+          <a:xfrm>
+            <a:off x="4889500" y="3377565"/>
+            <a:ext cx="0" cy="213995"/>
+          </a:xfrm>
+          <a:prstGeom prst="line">
+            <a:avLst/>
+          </a:prstGeom>
+          <a:ln>
+            <a:solidFill>
+              <a:schemeClr val="tx1"/>
+            </a:solidFill>
+          </a:ln>
+        </p:spPr>
+        <p:style>
+          <a:lnRef idx="1">
+            <a:schemeClr val="accent1"/>
+          </a:lnRef>
+          <a:fillRef idx="0">
+            <a:schemeClr val="accent1"/>
+          </a:fillRef>
+          <a:effectRef idx="0">
+            <a:schemeClr val="accent1"/>
+          </a:effectRef>
+          <a:fontRef idx="minor">
+            <a:schemeClr val="tx1"/>
+          </a:fontRef>
+        </p:style>
+      </p:cxnSp>
+      <p:sp>
+        <p:nvSpPr>
+          <p:cNvPr id="18" name="椭圆 17"/>
+          <p:cNvSpPr/>
+          <p:nvPr/>
+        </p:nvSpPr>
+        <p:spPr>
+          <a:xfrm>
+            <a:off x="4169410" y="3084830"/>
+            <a:ext cx="309245" cy="292735"/>
+          </a:xfrm>
+          <a:prstGeom prst="ellipse">
+            <a:avLst/>
+          </a:prstGeom>
+          <a:solidFill>
+            <a:schemeClr val="bg1"/>
+          </a:solidFill>
+        </p:spPr>
+        <p:style>
+          <a:lnRef idx="2">
+            <a:schemeClr val="accent1">
+              <a:shade val="50000"/>
+            </a:schemeClr>
+          </a:lnRef>
+          <a:fillRef idx="1">
+            <a:schemeClr val="accent1"/>
+          </a:fillRef>
+          <a:effectRef idx="0">
+            <a:schemeClr val="accent1"/>
+          </a:effectRef>
+          <a:fontRef idx="minor">
+            <a:schemeClr val="lt1"/>
+          </a:fontRef>
+        </p:style>
+        <p:txBody>
+          <a:bodyPr rtlCol="0" anchor="ctr"/>
+          <a:p>
+            <a:pPr algn="ctr"/>
+            <a:r>
+              <a:rPr lang="en-US" altLang="zh-CN">
+                <a:solidFill>
+                  <a:schemeClr val="tx1"/>
+                </a:solidFill>
+              </a:rPr>
+              <a:t>3</a:t>
+            </a:r>
+            <a:endParaRPr lang="en-US" altLang="zh-CN">
+              <a:solidFill>
+                <a:schemeClr val="tx1"/>
+              </a:solidFill>
+            </a:endParaRPr>
+          </a:p>
+        </p:txBody>
+      </p:sp>
+      <p:sp>
+        <p:nvSpPr>
+          <p:cNvPr id="20" name="椭圆 19"/>
+          <p:cNvSpPr/>
+          <p:nvPr/>
+        </p:nvSpPr>
+        <p:spPr>
+          <a:xfrm>
+            <a:off x="4169410" y="4149090"/>
+            <a:ext cx="309245" cy="292735"/>
+          </a:xfrm>
+          <a:prstGeom prst="ellipse">
+            <a:avLst/>
+          </a:prstGeom>
+          <a:solidFill>
+            <a:schemeClr val="bg1"/>
+          </a:solidFill>
+        </p:spPr>
+        <p:style>
+          <a:lnRef idx="2">
+            <a:schemeClr val="accent1">
+              <a:shade val="50000"/>
+            </a:schemeClr>
+          </a:lnRef>
+          <a:fillRef idx="1">
+            <a:schemeClr val="accent1"/>
+          </a:fillRef>
+          <a:effectRef idx="0">
+            <a:schemeClr val="accent1"/>
+          </a:effectRef>
+          <a:fontRef idx="minor">
+            <a:schemeClr val="lt1"/>
+          </a:fontRef>
+        </p:style>
+        <p:txBody>
+          <a:bodyPr rtlCol="0" anchor="ctr"/>
+          <a:p>
+            <a:pPr algn="ctr"/>
+            <a:r>
+              <a:rPr lang="en-US" altLang="zh-CN">
+                <a:solidFill>
+                  <a:schemeClr val="tx1"/>
+                </a:solidFill>
+              </a:rPr>
+              <a:t>5</a:t>
+            </a:r>
+            <a:endParaRPr lang="en-US" altLang="zh-CN">
+              <a:solidFill>
+                <a:schemeClr val="tx1"/>
+              </a:solidFill>
+            </a:endParaRPr>
+          </a:p>
+        </p:txBody>
+      </p:sp>
+      <p:sp>
+        <p:nvSpPr>
+          <p:cNvPr id="21" name="椭圆 20"/>
+          <p:cNvSpPr/>
+          <p:nvPr/>
+        </p:nvSpPr>
+        <p:spPr>
+          <a:xfrm>
+            <a:off x="3632200" y="3084830"/>
+            <a:ext cx="309245" cy="292735"/>
+          </a:xfrm>
+          <a:prstGeom prst="ellipse">
+            <a:avLst/>
+          </a:prstGeom>
+          <a:solidFill>
+            <a:schemeClr val="bg1"/>
+          </a:solidFill>
+        </p:spPr>
+        <p:style>
+          <a:lnRef idx="2">
+            <a:schemeClr val="accent1">
+              <a:shade val="50000"/>
+            </a:schemeClr>
+          </a:lnRef>
+          <a:fillRef idx="1">
+            <a:schemeClr val="accent1"/>
+          </a:fillRef>
+          <a:effectRef idx="0">
+            <a:schemeClr val="accent1"/>
+          </a:effectRef>
+          <a:fontRef idx="minor">
+            <a:schemeClr val="lt1"/>
+          </a:fontRef>
+        </p:style>
+        <p:txBody>
+          <a:bodyPr rtlCol="0" anchor="ctr"/>
+          <a:p>
+            <a:pPr algn="ctr"/>
+            <a:r>
+              <a:rPr lang="en-US" altLang="zh-CN">
+                <a:solidFill>
+                  <a:schemeClr val="tx1"/>
+                </a:solidFill>
+              </a:rPr>
+              <a:t>2</a:t>
+            </a:r>
+            <a:endParaRPr lang="en-US" altLang="zh-CN">
+              <a:solidFill>
+                <a:schemeClr val="tx1"/>
+              </a:solidFill>
+            </a:endParaRPr>
+          </a:p>
+        </p:txBody>
+      </p:sp>
+      <p:sp>
+        <p:nvSpPr>
+          <p:cNvPr id="22" name="椭圆 21"/>
+          <p:cNvSpPr/>
+          <p:nvPr/>
+        </p:nvSpPr>
+        <p:spPr>
+          <a:xfrm>
+            <a:off x="3632200" y="4149090"/>
+            <a:ext cx="309245" cy="292735"/>
+          </a:xfrm>
+          <a:prstGeom prst="ellipse">
+            <a:avLst/>
+          </a:prstGeom>
+          <a:solidFill>
+            <a:schemeClr val="bg1"/>
+          </a:solidFill>
+        </p:spPr>
+        <p:style>
+          <a:lnRef idx="2">
+            <a:schemeClr val="accent1">
+              <a:shade val="50000"/>
+            </a:schemeClr>
+          </a:lnRef>
+          <a:fillRef idx="1">
+            <a:schemeClr val="accent1"/>
+          </a:fillRef>
+          <a:effectRef idx="0">
+            <a:schemeClr val="accent1"/>
+          </a:effectRef>
+          <a:fontRef idx="minor">
+            <a:schemeClr val="lt1"/>
+          </a:fontRef>
+        </p:style>
+        <p:txBody>
+          <a:bodyPr rtlCol="0" anchor="ctr"/>
+          <a:p>
+            <a:pPr algn="ctr"/>
+            <a:r>
+              <a:rPr lang="en-US" altLang="zh-CN">
+                <a:solidFill>
+                  <a:schemeClr val="tx1"/>
+                </a:solidFill>
+              </a:rPr>
+              <a:t>4</a:t>
+            </a:r>
+            <a:endParaRPr lang="en-US" altLang="zh-CN">
+              <a:solidFill>
+                <a:schemeClr val="tx1"/>
+              </a:solidFill>
+            </a:endParaRPr>
+          </a:p>
+        </p:txBody>
+      </p:sp>
+      <p:cxnSp>
+        <p:nvCxnSpPr>
+          <p:cNvPr id="23" name="直接连接符 22"/>
+          <p:cNvCxnSpPr>
+            <a:stCxn id="18" idx="4"/>
+            <a:endCxn id="7" idx="0"/>
+          </p:cNvCxnSpPr>
+          <p:nvPr/>
+        </p:nvCxnSpPr>
+        <p:spPr>
+          <a:xfrm>
+            <a:off x="4324350" y="3377565"/>
+            <a:ext cx="0" cy="213995"/>
+          </a:xfrm>
+          <a:prstGeom prst="line">
+            <a:avLst/>
+          </a:prstGeom>
+          <a:ln>
+            <a:solidFill>
+              <a:schemeClr val="tx1"/>
+            </a:solidFill>
+          </a:ln>
+        </p:spPr>
+        <p:style>
+          <a:lnRef idx="1">
+            <a:schemeClr val="accent1"/>
+          </a:lnRef>
+          <a:fillRef idx="0">
+            <a:schemeClr val="accent1"/>
+          </a:fillRef>
+          <a:effectRef idx="0">
+            <a:schemeClr val="accent1"/>
+          </a:effectRef>
+          <a:fontRef idx="minor">
+            <a:schemeClr val="tx1"/>
+          </a:fontRef>
+        </p:style>
+      </p:cxnSp>
+      <p:cxnSp>
+        <p:nvCxnSpPr>
+          <p:cNvPr id="24" name="直接连接符 23"/>
+          <p:cNvCxnSpPr>
+            <a:stCxn id="21" idx="4"/>
+            <a:endCxn id="6" idx="0"/>
+          </p:cNvCxnSpPr>
+          <p:nvPr/>
+        </p:nvCxnSpPr>
+        <p:spPr>
+          <a:xfrm>
+            <a:off x="3787140" y="3377565"/>
+            <a:ext cx="0" cy="213995"/>
+          </a:xfrm>
+          <a:prstGeom prst="line">
+            <a:avLst/>
+          </a:prstGeom>
+          <a:ln>
+            <a:solidFill>
+              <a:schemeClr val="tx1"/>
+            </a:solidFill>
+          </a:ln>
+        </p:spPr>
+        <p:style>
+          <a:lnRef idx="1">
+            <a:schemeClr val="accent1"/>
+          </a:lnRef>
+          <a:fillRef idx="0">
+            <a:schemeClr val="accent1"/>
+          </a:fillRef>
+          <a:effectRef idx="0">
+            <a:schemeClr val="accent1"/>
+          </a:effectRef>
+          <a:fontRef idx="minor">
+            <a:schemeClr val="tx1"/>
+          </a:fontRef>
+        </p:style>
+      </p:cxnSp>
+      <p:sp>
+        <p:nvSpPr>
+          <p:cNvPr id="27" name="文本框 26"/>
+          <p:cNvSpPr txBox="1"/>
+          <p:nvPr/>
+        </p:nvSpPr>
+        <p:spPr>
+          <a:xfrm>
+            <a:off x="4658360" y="4110990"/>
+            <a:ext cx="488950" cy="368300"/>
+          </a:xfrm>
+          <a:prstGeom prst="rect">
+            <a:avLst/>
+          </a:prstGeom>
+          <a:noFill/>
+        </p:spPr>
+        <p:txBody>
+          <a:bodyPr wrap="square" rtlCol="0">
+            <a:spAutoFit/>
+          </a:bodyPr>
+          <a:p>
+            <a:r>
+              <a:rPr lang="en-US" altLang="zh-CN"/>
+              <a:t>10</a:t>
+            </a:r>
+            <a:endParaRPr lang="en-US" altLang="zh-CN"/>
+          </a:p>
+        </p:txBody>
+      </p:sp>
+      <p:cxnSp>
+        <p:nvCxnSpPr>
+          <p:cNvPr id="25" name="直接连接符 24"/>
+          <p:cNvCxnSpPr>
+            <a:stCxn id="7" idx="4"/>
+            <a:endCxn id="20" idx="0"/>
+          </p:cNvCxnSpPr>
+          <p:nvPr/>
+        </p:nvCxnSpPr>
+        <p:spPr>
+          <a:xfrm>
+            <a:off x="4324350" y="3884295"/>
+            <a:ext cx="0" cy="264795"/>
+          </a:xfrm>
+          <a:prstGeom prst="line">
+            <a:avLst/>
+          </a:prstGeom>
+          <a:ln>
+            <a:solidFill>
+              <a:schemeClr val="tx1"/>
+            </a:solidFill>
+          </a:ln>
+        </p:spPr>
+        <p:style>
+          <a:lnRef idx="1">
+            <a:schemeClr val="accent1"/>
+          </a:lnRef>
+          <a:fillRef idx="0">
+            <a:schemeClr val="accent1"/>
+          </a:fillRef>
+          <a:effectRef idx="0">
+            <a:schemeClr val="accent1"/>
+          </a:effectRef>
+          <a:fontRef idx="minor">
+            <a:schemeClr val="tx1"/>
+          </a:fontRef>
+        </p:style>
+      </p:cxnSp>
+      <p:cxnSp>
+        <p:nvCxnSpPr>
+          <p:cNvPr id="26" name="直接连接符 25"/>
+          <p:cNvCxnSpPr>
+            <a:stCxn id="6" idx="4"/>
+            <a:endCxn id="22" idx="0"/>
+          </p:cNvCxnSpPr>
+          <p:nvPr/>
+        </p:nvCxnSpPr>
+        <p:spPr>
+          <a:xfrm>
+            <a:off x="3787140" y="3884295"/>
+            <a:ext cx="0" cy="264795"/>
+          </a:xfrm>
+          <a:prstGeom prst="line">
+            <a:avLst/>
+          </a:prstGeom>
+          <a:ln>
+            <a:solidFill>
+              <a:schemeClr val="tx1"/>
+            </a:solidFill>
+          </a:ln>
+        </p:spPr>
+        <p:style>
+          <a:lnRef idx="1">
+            <a:schemeClr val="accent1"/>
+          </a:lnRef>
+          <a:fillRef idx="0">
+            <a:schemeClr val="accent1"/>
+          </a:fillRef>
+          <a:effectRef idx="0">
+            <a:schemeClr val="accent1"/>
+          </a:effectRef>
+          <a:fontRef idx="minor">
+            <a:schemeClr val="tx1"/>
+          </a:fontRef>
+        </p:style>
+      </p:cxnSp>
+      <p:sp>
+        <p:nvSpPr>
+          <p:cNvPr id="30" name="椭圆 29"/>
+          <p:cNvSpPr/>
+          <p:nvPr/>
+        </p:nvSpPr>
+        <p:spPr>
+          <a:xfrm>
+            <a:off x="5340985" y="3591560"/>
+            <a:ext cx="309245" cy="292735"/>
+          </a:xfrm>
+          <a:prstGeom prst="ellipse">
+            <a:avLst/>
+          </a:prstGeom>
+          <a:solidFill>
+            <a:srgbClr val="FF0000"/>
+          </a:solidFill>
+        </p:spPr>
+        <p:style>
+          <a:lnRef idx="2">
+            <a:schemeClr val="accent1">
+              <a:shade val="50000"/>
+            </a:schemeClr>
+          </a:lnRef>
+          <a:fillRef idx="1">
+            <a:schemeClr val="accent1"/>
+          </a:fillRef>
+          <a:effectRef idx="0">
+            <a:schemeClr val="accent1"/>
+          </a:effectRef>
+          <a:fontRef idx="minor">
+            <a:schemeClr val="lt1"/>
+          </a:fontRef>
+        </p:style>
+        <p:txBody>
+          <a:bodyPr rtlCol="0" anchor="ctr"/>
+          <a:p>
+            <a:pPr algn="ctr"/>
+            <a:endParaRPr lang="en-US" altLang="zh-CN" sz="1400">
+              <a:solidFill>
+                <a:schemeClr val="tx1"/>
+              </a:solidFill>
+            </a:endParaRPr>
+          </a:p>
+        </p:txBody>
+      </p:sp>
+      <p:cxnSp>
+        <p:nvCxnSpPr>
+          <p:cNvPr id="31" name="直接连接符 30"/>
+          <p:cNvCxnSpPr>
+            <a:stCxn id="8" idx="6"/>
+            <a:endCxn id="30" idx="2"/>
+          </p:cNvCxnSpPr>
+          <p:nvPr/>
+        </p:nvCxnSpPr>
+        <p:spPr>
+          <a:xfrm>
+            <a:off x="5043805" y="3738245"/>
+            <a:ext cx="297180" cy="0"/>
+          </a:xfrm>
+          <a:prstGeom prst="line">
+            <a:avLst/>
+          </a:prstGeom>
+          <a:ln>
+            <a:solidFill>
+              <a:schemeClr val="tx1"/>
+            </a:solidFill>
+          </a:ln>
+        </p:spPr>
+        <p:style>
+          <a:lnRef idx="1">
+            <a:schemeClr val="accent1"/>
+          </a:lnRef>
+          <a:fillRef idx="0">
+            <a:schemeClr val="accent1"/>
+          </a:fillRef>
+          <a:effectRef idx="0">
+            <a:schemeClr val="accent1"/>
+          </a:effectRef>
+          <a:fontRef idx="minor">
+            <a:schemeClr val="tx1"/>
+          </a:fontRef>
+        </p:style>
+      </p:cxnSp>
+      <p:sp>
+        <p:nvSpPr>
+          <p:cNvPr id="32" name="文本框 31"/>
+          <p:cNvSpPr txBox="1"/>
+          <p:nvPr/>
+        </p:nvSpPr>
+        <p:spPr>
+          <a:xfrm>
+            <a:off x="5290185" y="3533775"/>
+            <a:ext cx="469265" cy="368300"/>
+          </a:xfrm>
+          <a:prstGeom prst="rect">
+            <a:avLst/>
+          </a:prstGeom>
+          <a:noFill/>
+        </p:spPr>
+        <p:txBody>
+          <a:bodyPr wrap="square" rtlCol="0">
+            <a:spAutoFit/>
+          </a:bodyPr>
+          <a:p>
+            <a:r>
+              <a:rPr lang="en-US" altLang="zh-CN"/>
+              <a:t>11</a:t>
+            </a:r>
+            <a:endParaRPr lang="en-US" altLang="zh-CN"/>
+          </a:p>
+        </p:txBody>
+      </p:sp>
+    </p:spTree>
+  </p:cSld>
+  <p:clrMapOvr>
+    <a:masterClrMapping/>
+  </p:clrMapOvr>
+</p:sld>
+</file>
+
+<file path=ppt/slides/slide22.xml><?xml version="1.0" encoding="utf-8"?>
+<p:sld xmlns:a="http://schemas.openxmlformats.org/drawingml/2006/main" xmlns:r="http://schemas.openxmlformats.org/officeDocument/2006/relationships" xmlns:p="http://schemas.openxmlformats.org/presentationml/2006/main">
+  <p:cSld>
+    <p:spTree>
+      <p:nvGrpSpPr>
+        <p:cNvPr id="1" name=""/>
+        <p:cNvGrpSpPr/>
+        <p:nvPr/>
+      </p:nvGrpSpPr>
+      <p:grpSpPr/>
+      <p:sp>
+        <p:nvSpPr>
+          <p:cNvPr id="2" name="标题 1"/>
+          <p:cNvSpPr>
+            <a:spLocks noGrp="1"/>
+          </p:cNvSpPr>
+          <p:nvPr>
+            <p:ph type="title"/>
+          </p:nvPr>
+        </p:nvSpPr>
+        <p:spPr/>
+        <p:txBody>
+          <a:bodyPr/>
+          <a:p>
+            <a:r>
+              <a:rPr lang="zh-CN" altLang="en-US"/>
+              <a:t>稀疏化图</a:t>
+            </a:r>
+            <a:endParaRPr lang="zh-CN" altLang="en-US"/>
+          </a:p>
+        </p:txBody>
+      </p:sp>
+      <p:sp>
+        <p:nvSpPr>
+          <p:cNvPr id="3" name="内容占位符 2"/>
+          <p:cNvSpPr>
+            <a:spLocks noGrp="1"/>
+          </p:cNvSpPr>
+          <p:nvPr>
+            <p:ph idx="1"/>
+          </p:nvPr>
+        </p:nvSpPr>
+        <p:spPr/>
+        <p:txBody>
+          <a:bodyPr/>
+          <a:p>
             <a:endParaRPr lang="zh-CN" altLang="en-US"/>
           </a:p>
         </p:txBody>
